--- a/docs/CAPs-IETF107-Update.pptx
+++ b/docs/CAPs-IETF107-Update.pptx
@@ -8,15 +8,17 @@
     <p:notesMasterId r:id="rId6"/>
   </p:notesMasterIdLst>
   <p:handoutMasterIdLst>
-    <p:handoutMasterId r:id="rId10"/>
+    <p:handoutMasterId r:id="rId12"/>
   </p:handoutMasterIdLst>
   <p:sldIdLst>
     <p:sldId id="256" r:id="rId3"/>
     <p:sldId id="257" r:id="rId4"/>
     <p:sldId id="258" r:id="rId5"/>
-    <p:sldId id="259" r:id="rId7"/>
-    <p:sldId id="260" r:id="rId8"/>
-    <p:sldId id="261" r:id="rId9"/>
+    <p:sldId id="263" r:id="rId7"/>
+    <p:sldId id="259" r:id="rId8"/>
+    <p:sldId id="260" r:id="rId9"/>
+    <p:sldId id="261" r:id="rId10"/>
+    <p:sldId id="262" r:id="rId11"/>
   </p:sldIdLst>
   <p:sldSz cx="12192000" cy="6858000"/>
   <p:notesSz cx="7103745" cy="10234295"/>
@@ -3641,7 +3643,15 @@
           <a:p>
             <a:r>
               <a:rPr lang="en-US" altLang="en-US"/>
-              <a:t>draft-jadhav-roll-mopex-01</a:t>
+              <a:t>draft-</a:t>
+            </a:r>
+            <a:r>
+              <a:rPr lang="" altLang="en-US"/>
+              <a:t>ietf</a:t>
+            </a:r>
+            <a:r>
+              <a:rPr lang="en-US" altLang="en-US"/>
+              <a:t>-roll-mopex</a:t>
             </a:r>
             <a:endParaRPr lang="en-US" altLang="en-US"/>
           </a:p>
@@ -3709,15 +3719,15 @@
           </a:p>
           <a:p>
             <a:r>
-              <a:rPr lang="" altLang="en-US"/>
+              <a:rPr lang="en-US" altLang="en-US"/>
               <a:t>Capabilities draft update</a:t>
             </a:r>
-            <a:endParaRPr lang="" altLang="en-US"/>
+            <a:endParaRPr lang="en-US" altLang="en-US"/>
           </a:p>
           <a:p>
             <a:pPr lvl="1"/>
             <a:r>
-              <a:rPr lang="" altLang="en-US"/>
+              <a:rPr lang="en-US" altLang="en-US"/>
               <a:t>Recommendations for adding new caps</a:t>
             </a:r>
             <a:endParaRPr lang="en-US" altLang="en-US"/>
@@ -3748,15 +3758,15 @@
           <a:p>
             <a:pPr lvl="0"/>
             <a:r>
-              <a:rPr lang="" altLang="en-US" sz="2000"/>
+              <a:rPr lang="en-US" altLang="en-US" sz="2000"/>
               <a:t>Security Considerations</a:t>
             </a:r>
-            <a:endParaRPr lang="" altLang="en-US" sz="2000"/>
+            <a:endParaRPr lang="en-US" altLang="en-US" sz="2000"/>
           </a:p>
           <a:p>
             <a:pPr lvl="1"/>
             <a:r>
-              <a:rPr lang="" altLang="en-US" sz="1800"/>
+              <a:rPr lang="en-US" altLang="en-US" sz="1800"/>
               <a:t>Still needs more work</a:t>
             </a:r>
             <a:endParaRPr lang="en-US" altLang="en-US"/>
@@ -3764,15 +3774,15 @@
           <a:p>
             <a:pPr lvl="0"/>
             <a:r>
-              <a:rPr lang="" altLang="en-US" sz="2000"/>
+              <a:rPr lang="en-US" altLang="en-US" sz="2000"/>
               <a:t>Added Rabi as co-author (thanks to his contributions on defining new instances)</a:t>
             </a:r>
-            <a:endParaRPr lang="" altLang="en-US" sz="2000"/>
+            <a:endParaRPr lang="en-US" altLang="en-US" sz="2000"/>
           </a:p>
           <a:p>
             <a:pPr lvl="0"/>
             <a:r>
-              <a:rPr lang="" altLang="en-US" sz="2000"/>
+              <a:rPr lang="en-US" altLang="en-US" sz="2000"/>
               <a:t>References fixed</a:t>
             </a:r>
             <a:endParaRPr lang="en-US" altLang="en-US"/>
@@ -3863,7 +3873,7 @@
             <a:pPr lvl="0"/>
             <a:r>
               <a:rPr lang="en-US" altLang="en-US"/>
-              <a:t>Minimal document with very clear proposition</a:t>
+              <a:t>Minimal document with clear motivation/proposition</a:t>
             </a:r>
             <a:endParaRPr lang="en-US" altLang="en-US"/>
           </a:p>
@@ -3871,31 +3881,7 @@
             <a:pPr lvl="0"/>
             <a:r>
               <a:rPr lang="en-US" altLang="en-US"/>
-              <a:t>Working group adoption</a:t>
-            </a:r>
-            <a:endParaRPr lang="en-US" altLang="en-US"/>
-          </a:p>
-          <a:p>
-            <a:pPr lvl="1"/>
-            <a:r>
-              <a:rPr lang="en-US" altLang="en-US"/>
-              <a:t>WG had already adopted the proposition before</a:t>
-            </a:r>
-            <a:endParaRPr lang="en-US" altLang="en-US"/>
-          </a:p>
-          <a:p>
-            <a:pPr lvl="1"/>
-            <a:r>
-              <a:rPr lang="en-US" altLang="en-US"/>
-              <a:t>But the splitup resulted in a new document</a:t>
-            </a:r>
-            <a:endParaRPr lang="en-US" altLang="en-US"/>
-          </a:p>
-          <a:p>
-            <a:pPr lvl="1"/>
-            <a:r>
-              <a:rPr lang="en-US" altLang="en-US"/>
-              <a:t>Do we need adoption agian?</a:t>
+              <a:t>Working group adopted</a:t>
             </a:r>
             <a:endParaRPr lang="en-US" altLang="en-US"/>
           </a:p>
@@ -3934,10 +3920,10 @@
           <a:bodyPr/>
           <a:p>
             <a:r>
-              <a:rPr lang="" altLang="en-US" sz="4000" b="0"/>
-              <a:t>Capabilities Updates</a:t>
-            </a:r>
-            <a:endParaRPr lang="" altLang="en-US" sz="4000" b="0"/>
+              <a:rPr lang="" altLang="en-US" sz="2800" b="0"/>
+              <a:t>RPL2: New Options and backward compatibility</a:t>
+            </a:r>
+            <a:endParaRPr lang="" altLang="en-US" sz="2800" b="0"/>
           </a:p>
         </p:txBody>
       </p:sp>
@@ -3953,57 +3939,219 @@
         </p:nvSpPr>
         <p:spPr/>
         <p:txBody>
-          <a:bodyPr/>
-          <a:p>
-            <a:r>
-              <a:rPr lang="" altLang="en-US" sz="3200"/>
-              <a:t>How are capabilities different?</a:t>
-            </a:r>
-            <a:endParaRPr lang="" altLang="en-US" sz="3200"/>
-          </a:p>
-          <a:p>
-            <a:pPr lvl="1"/>
-            <a:r>
-              <a:rPr lang="" altLang="en-US" sz="2800"/>
-              <a:t>Compared to MOP, Configuration Option or Routing Metrics/Constraints</a:t>
-            </a:r>
-            <a:endParaRPr lang="" altLang="en-US" sz="2800"/>
-          </a:p>
-          <a:p>
-            <a:pPr lvl="0"/>
-            <a:r>
-              <a:rPr lang="" altLang="en-US" sz="3200"/>
-              <a:t>Guidelines towards defining new capabilities</a:t>
-            </a:r>
-            <a:endParaRPr lang="" altLang="en-US" sz="3200"/>
-          </a:p>
-          <a:p>
-            <a:pPr lvl="1"/>
-            <a:r>
-              <a:rPr lang="" altLang="en-US" sz="2800"/>
-              <a:t>How to set Global/Info/Join-as-leaf flags?</a:t>
-            </a:r>
-            <a:endParaRPr lang="" altLang="en-US" sz="2800"/>
-          </a:p>
-          <a:p>
-            <a:pPr lvl="1"/>
-            <a:r>
-              <a:rPr lang="" altLang="en-US" sz="2800"/>
-              <a:t>How should a node handle the capability it does not support?</a:t>
-            </a:r>
-            <a:endParaRPr lang="" altLang="en-US" sz="2800"/>
-          </a:p>
-          <a:p>
-            <a:pPr lvl="2"/>
-            <a:r>
-              <a:rPr lang="" altLang="en-US" sz="2400"/>
-              <a:t>Before or After joining the instance</a:t>
-            </a:r>
-            <a:endParaRPr lang="" altLang="en-US" sz="2400"/>
-          </a:p>
-          <a:p>
-            <a:pPr lvl="2"/>
-            <a:endParaRPr lang="" altLang="en-US" sz="2400"/>
+          <a:bodyPr>
+            <a:normAutofit lnSpcReduction="10000"/>
+          </a:bodyPr>
+          <a:p>
+            <a:pPr fontAlgn="auto">
+              <a:lnSpc>
+                <a:spcPct val="150000"/>
+              </a:lnSpc>
+              <a:spcBef>
+                <a:spcPts val="0"/>
+              </a:spcBef>
+            </a:pPr>
+            <a:r>
+              <a:rPr lang="" altLang="en-US"/>
+              <a:t>Every time a new draft introduces a new option, we have backward compatibility issue</a:t>
+            </a:r>
+            <a:endParaRPr lang="" altLang="en-US"/>
+          </a:p>
+          <a:p>
+            <a:pPr fontAlgn="auto">
+              <a:lnSpc>
+                <a:spcPct val="150000"/>
+              </a:lnSpc>
+              <a:spcBef>
+                <a:spcPts val="0"/>
+              </a:spcBef>
+            </a:pPr>
+            <a:r>
+              <a:rPr lang="" altLang="en-US"/>
+              <a:t>Problem stems from the fact that legacy nodes will strip off this new unknown option</a:t>
+            </a:r>
+            <a:endParaRPr lang="" altLang="en-US"/>
+          </a:p>
+          <a:p>
+            <a:pPr fontAlgn="auto">
+              <a:lnSpc>
+                <a:spcPct val="150000"/>
+              </a:lnSpc>
+              <a:spcBef>
+                <a:spcPts val="0"/>
+              </a:spcBef>
+            </a:pPr>
+            <a:r>
+              <a:rPr lang="" altLang="en-US"/>
+              <a:t>This is true for: Enrollment-priority, Eliding-options, NSA extensions</a:t>
+            </a:r>
+            <a:endParaRPr lang="" altLang="en-US"/>
+          </a:p>
+          <a:p>
+            <a:pPr lvl="0" fontAlgn="auto">
+              <a:lnSpc>
+                <a:spcPct val="150000"/>
+              </a:lnSpc>
+              <a:spcBef>
+                <a:spcPts val="0"/>
+              </a:spcBef>
+            </a:pPr>
+            <a:r>
+              <a:rPr lang="" altLang="en-US"/>
+              <a:t>Solution</a:t>
+            </a:r>
+            <a:endParaRPr lang="" altLang="en-US"/>
+          </a:p>
+          <a:p>
+            <a:pPr lvl="1" fontAlgn="auto">
+              <a:lnSpc>
+                <a:spcPct val="150000"/>
+              </a:lnSpc>
+              <a:spcBef>
+                <a:spcPts val="0"/>
+              </a:spcBef>
+            </a:pPr>
+            <a:r>
+              <a:rPr lang="" altLang="en-US"/>
+              <a:t>Handle this in MOPex</a:t>
+            </a:r>
+            <a:endParaRPr lang="" altLang="en-US"/>
+          </a:p>
+          <a:p>
+            <a:pPr lvl="1" fontAlgn="auto">
+              <a:lnSpc>
+                <a:spcPct val="150000"/>
+              </a:lnSpc>
+              <a:spcBef>
+                <a:spcPts val="0"/>
+              </a:spcBef>
+            </a:pPr>
+            <a:r>
+              <a:rPr lang="" altLang="en-US"/>
+              <a:t>Option type with MSB set MUST be copied. Applicable to DIO/DAO.</a:t>
+            </a:r>
+            <a:endParaRPr lang="" altLang="en-US"/>
+          </a:p>
+          <a:p>
+            <a:pPr lvl="1" fontAlgn="auto">
+              <a:lnSpc>
+                <a:spcPct val="150000"/>
+              </a:lnSpc>
+              <a:spcBef>
+                <a:spcPts val="0"/>
+              </a:spcBef>
+            </a:pPr>
+            <a:r>
+              <a:rPr lang="" altLang="en-US"/>
+              <a:t>0 to 127  </a:t>
+            </a:r>
+            <a:r>
+              <a:rPr lang="" altLang="en-US">
+                <a:latin typeface="Andale Mono" panose="020B0509000000000004" charset="0"/>
+                <a:cs typeface="Andale Mono" panose="020B0509000000000004" charset="0"/>
+              </a:rPr>
+              <a:t>→ </a:t>
+            </a:r>
+            <a:r>
+              <a:rPr lang="en-US" altLang="en-US" sz="2000"/>
+              <a:t>Regular Options (strip off if not understood)</a:t>
+            </a:r>
+            <a:endParaRPr lang="en-US" altLang="en-US" sz="2000"/>
+          </a:p>
+          <a:p>
+            <a:pPr lvl="1" fontAlgn="auto">
+              <a:lnSpc>
+                <a:spcPct val="150000"/>
+              </a:lnSpc>
+              <a:spcBef>
+                <a:spcPts val="0"/>
+              </a:spcBef>
+            </a:pPr>
+            <a:r>
+              <a:rPr lang="" altLang="en-US" sz="2000">
+                <a:sym typeface="+mn-ea"/>
+              </a:rPr>
+              <a:t>127</a:t>
+            </a:r>
+            <a:r>
+              <a:rPr lang="en-US" altLang="en-US" sz="2000">
+                <a:sym typeface="+mn-ea"/>
+              </a:rPr>
+              <a:t> to </a:t>
+            </a:r>
+            <a:r>
+              <a:rPr lang="" altLang="en-US" sz="2000">
+                <a:sym typeface="+mn-ea"/>
+              </a:rPr>
+              <a:t>255</a:t>
+            </a:r>
+            <a:r>
+              <a:rPr lang="en-US" altLang="en-US" sz="2000">
+                <a:sym typeface="+mn-ea"/>
+              </a:rPr>
+              <a:t>  </a:t>
+            </a:r>
+            <a:r>
+              <a:rPr lang="en-US" altLang="en-US" sz="2000">
+                <a:latin typeface="Andale Mono" panose="020B0509000000000004" charset="0"/>
+                <a:cs typeface="Andale Mono" panose="020B0509000000000004" charset="0"/>
+                <a:sym typeface="+mn-ea"/>
+              </a:rPr>
+              <a:t>→ </a:t>
+            </a:r>
+            <a:r>
+              <a:rPr lang="en-US" altLang="en-US" sz="2000">
+                <a:sym typeface="+mn-ea"/>
+              </a:rPr>
+              <a:t>Options </a:t>
+            </a:r>
+            <a:r>
+              <a:rPr lang="" altLang="en-US" sz="2000">
+                <a:sym typeface="+mn-ea"/>
+              </a:rPr>
+              <a:t>to copy forward if not understood.</a:t>
+            </a:r>
+            <a:endParaRPr lang="" altLang="en-US" sz="2000">
+              <a:sym typeface="+mn-ea"/>
+            </a:endParaRPr>
+          </a:p>
+          <a:p>
+            <a:pPr lvl="2" fontAlgn="auto">
+              <a:lnSpc>
+                <a:spcPct val="150000"/>
+              </a:lnSpc>
+              <a:spcBef>
+                <a:spcPts val="0"/>
+              </a:spcBef>
+            </a:pPr>
+            <a:r>
+              <a:rPr lang="" altLang="en-US" sz="1775">
+                <a:sym typeface="+mn-ea"/>
+              </a:rPr>
+              <a:t>Enrollment-priority could be Option Type 127</a:t>
+            </a:r>
+            <a:endParaRPr lang="" altLang="en-US" sz="1775">
+              <a:sym typeface="+mn-ea"/>
+            </a:endParaRPr>
+          </a:p>
+          <a:p>
+            <a:pPr lvl="0" fontAlgn="auto">
+              <a:lnSpc>
+                <a:spcPct val="150000"/>
+              </a:lnSpc>
+              <a:spcBef>
+                <a:spcPts val="0"/>
+              </a:spcBef>
+            </a:pPr>
+            <a:r>
+              <a:rPr lang="" altLang="en-US" sz="2220">
+                <a:sym typeface="+mn-ea"/>
+              </a:rPr>
+              <a:t>Does not incur any new overhead</a:t>
+            </a:r>
+            <a:endParaRPr lang="" altLang="en-US" sz="2220">
+              <a:sym typeface="+mn-ea"/>
+            </a:endParaRPr>
           </a:p>
         </p:txBody>
       </p:sp>
@@ -4040,10 +4188,10 @@
           <a:bodyPr/>
           <a:p>
             <a:r>
-              <a:rPr lang="" altLang="en-US" sz="4000" b="0"/>
-              <a:t>Global vs Local Capabilities</a:t>
-            </a:r>
-            <a:endParaRPr lang="" altLang="en-US" sz="4000" b="0"/>
+              <a:rPr lang="en-US" altLang="en-US" sz="4000" b="0"/>
+              <a:t>Capabilities Updates</a:t>
+            </a:r>
+            <a:endParaRPr lang="en-US" altLang="en-US" sz="4000" b="0"/>
           </a:p>
         </p:txBody>
       </p:sp>
@@ -4062,198 +4210,62 @@
           <a:bodyPr/>
           <a:p>
             <a:r>
-              <a:rPr lang="" altLang="en-US" sz="2800"/>
-              <a:t>Global capabilities</a:t>
-            </a:r>
-            <a:endParaRPr lang="" altLang="en-US" sz="2800"/>
+              <a:rPr lang="en-US" altLang="en-US" sz="3200"/>
+              <a:t>How are capabilities different?</a:t>
+            </a:r>
+            <a:endParaRPr lang="en-US" altLang="en-US" sz="3200"/>
           </a:p>
           <a:p>
             <a:pPr lvl="1"/>
             <a:r>
-              <a:rPr lang="" altLang="en-US" sz="2400"/>
-              <a:t>Only root can set and applicable for the RPL Instance</a:t>
-            </a:r>
-            <a:endParaRPr lang="" altLang="en-US" sz="2400"/>
+              <a:rPr lang="en-US" altLang="en-US" sz="2800"/>
+              <a:t>Compared to MOP, Configuration Option or Routing Metrics/Constraints</a:t>
+            </a:r>
+            <a:endParaRPr lang="en-US" altLang="en-US" sz="2800"/>
+          </a:p>
+          <a:p>
+            <a:pPr lvl="0"/>
+            <a:r>
+              <a:rPr lang="en-US" altLang="en-US" sz="3200"/>
+              <a:t>Guidelines towards defining new capabilities</a:t>
+            </a:r>
+            <a:endParaRPr lang="en-US" altLang="en-US" sz="3200"/>
           </a:p>
           <a:p>
             <a:pPr lvl="1"/>
             <a:r>
-              <a:rPr lang="" altLang="en-US" sz="2400"/>
-              <a:t>Intermediate 6LRs MUST copy these caps in their DIOs</a:t>
-            </a:r>
-            <a:endParaRPr lang="" altLang="en-US" sz="2400"/>
+              <a:rPr lang="en-US" altLang="en-US" sz="2800"/>
+              <a:t>How to set Global/Info/Join-as-leaf flags?</a:t>
+            </a:r>
+            <a:endParaRPr lang="en-US" altLang="en-US" sz="2800"/>
           </a:p>
           <a:p>
             <a:pPr lvl="1"/>
             <a:r>
-              <a:rPr lang="" altLang="en-US" sz="2400"/>
-              <a:t>A node may join as 6LR or 6LN depending on ‘J’ bit of the capability</a:t>
-            </a:r>
-            <a:endParaRPr lang="" altLang="en-US" sz="2400"/>
+              <a:rPr lang="en-US" altLang="en-US" sz="2800"/>
+              <a:t>How should a node handle the capability it does not support?</a:t>
+            </a:r>
+            <a:endParaRPr lang="en-US" altLang="en-US" sz="2800"/>
           </a:p>
           <a:p>
             <a:pPr lvl="2"/>
             <a:r>
-              <a:rPr lang="" altLang="en-US" sz="2000"/>
-              <a:t>Even if the Global capability is not understood by the node</a:t>
-            </a:r>
-            <a:endParaRPr lang="" altLang="en-US" sz="2000"/>
+              <a:rPr lang="en-US" altLang="en-US" sz="2400"/>
+              <a:t>Before or After joining the instance</a:t>
+            </a:r>
+            <a:endParaRPr lang="en-US" altLang="en-US" sz="2400"/>
+          </a:p>
+          <a:p>
+            <a:pPr lvl="1"/>
+            <a:r>
+              <a:rPr lang="" altLang="en-US" sz="2700"/>
+              <a:t>When to use and when not to use caps.</a:t>
+            </a:r>
+            <a:endParaRPr lang="en-US" altLang="en-US" sz="2700"/>
           </a:p>
           <a:p>
             <a:pPr lvl="2"/>
-            <a:r>
-              <a:rPr lang="" altLang="en-US" sz="2000"/>
-              <a:t>This allows a Global cap to be optional for the node to understand</a:t>
-            </a:r>
-            <a:endParaRPr lang="" altLang="en-US" sz="2000"/>
-          </a:p>
-        </p:txBody>
-      </p:sp>
-      <p:sp>
-        <p:nvSpPr>
-          <p:cNvPr id="4" name="Text Box 3"/>
-          <p:cNvSpPr txBox="1"/>
-          <p:nvPr/>
-        </p:nvSpPr>
-        <p:spPr>
-          <a:xfrm>
-            <a:off x="1859915" y="4363720"/>
-            <a:ext cx="9803765" cy="1476375"/>
-          </a:xfrm>
-          <a:prstGeom prst="rect">
-            <a:avLst/>
-          </a:prstGeom>
-          <a:solidFill>
-            <a:schemeClr val="bg1">
-              <a:lumMod val="95000"/>
-            </a:schemeClr>
-          </a:solidFill>
-        </p:spPr>
-        <p:txBody>
-          <a:bodyPr wrap="square" rtlCol="0" anchor="t">
-            <a:spAutoFit/>
-          </a:bodyPr>
-          <a:p>
-            <a:r>
-              <a:rPr lang="en-US">
-                <a:latin typeface="DejaVu Sans Mono" panose="020B0609030804020204" charset="0"/>
-                <a:cs typeface="DejaVu Sans Mono" panose="020B0609030804020204" charset="0"/>
-              </a:rPr>
-              <a:t> 0                   1                   2                   3</a:t>
-            </a:r>
-            <a:endParaRPr lang="en-US">
-              <a:latin typeface="DejaVu Sans Mono" panose="020B0609030804020204" charset="0"/>
-              <a:cs typeface="DejaVu Sans Mono" panose="020B0609030804020204" charset="0"/>
-            </a:endParaRPr>
-          </a:p>
-          <a:p>
-            <a:r>
-              <a:rPr lang="en-US">
-                <a:latin typeface="DejaVu Sans Mono" panose="020B0609030804020204" charset="0"/>
-                <a:cs typeface="DejaVu Sans Mono" panose="020B0609030804020204" charset="0"/>
-              </a:rPr>
-              <a:t> 0 1 2 3 4 5 6 7 8 9 0 1 2 3 4 5 6 7 8 9 0 1 2 3 4 5 6 7 8 9 0 1</a:t>
-            </a:r>
-            <a:endParaRPr lang="en-US">
-              <a:latin typeface="DejaVu Sans Mono" panose="020B0609030804020204" charset="0"/>
-              <a:cs typeface="DejaVu Sans Mono" panose="020B0609030804020204" charset="0"/>
-            </a:endParaRPr>
-          </a:p>
-          <a:p>
-            <a:r>
-              <a:rPr lang="en-US">
-                <a:latin typeface="DejaVu Sans Mono" panose="020B0609030804020204" charset="0"/>
-                <a:cs typeface="DejaVu Sans Mono" panose="020B0609030804020204" charset="0"/>
-              </a:rPr>
-              <a:t>+-+-+-+-+-+-+-+-+-+-+-+-+-+-+-+-+-+-+-+-+-+-+-+-+-+-+-+-+-+-+-+-+</a:t>
-            </a:r>
-            <a:endParaRPr lang="en-US">
-              <a:latin typeface="DejaVu Sans Mono" panose="020B0609030804020204" charset="0"/>
-              <a:cs typeface="DejaVu Sans Mono" panose="020B0609030804020204" charset="0"/>
-            </a:endParaRPr>
-          </a:p>
-          <a:p>
-            <a:r>
-              <a:rPr lang="en-US">
-                <a:latin typeface="DejaVu Sans Mono" panose="020B0609030804020204" charset="0"/>
-                <a:cs typeface="DejaVu Sans Mono" panose="020B0609030804020204" charset="0"/>
-              </a:rPr>
-              <a:t>|   CAPType     |</a:t>
-            </a:r>
-            <a:r>
-              <a:rPr lang="en-US">
-                <a:solidFill>
-                  <a:srgbClr val="FF0000"/>
-                </a:solidFill>
-                <a:latin typeface="DejaVu Sans Mono" panose="020B0609030804020204" charset="0"/>
-                <a:cs typeface="DejaVu Sans Mono" panose="020B0609030804020204" charset="0"/>
-              </a:rPr>
-              <a:t>J</a:t>
-            </a:r>
-            <a:r>
-              <a:rPr lang="en-US">
-                <a:solidFill>
-                  <a:schemeClr val="tx1"/>
-                </a:solidFill>
-                <a:latin typeface="DejaVu Sans Mono" panose="020B0609030804020204" charset="0"/>
-                <a:cs typeface="DejaVu Sans Mono" panose="020B0609030804020204" charset="0"/>
-              </a:rPr>
-              <a:t>|</a:t>
-            </a:r>
-            <a:r>
-              <a:rPr lang="en-US">
-                <a:solidFill>
-                  <a:srgbClr val="FF0000"/>
-                </a:solidFill>
-                <a:latin typeface="DejaVu Sans Mono" panose="020B0609030804020204" charset="0"/>
-                <a:cs typeface="DejaVu Sans Mono" panose="020B0609030804020204" charset="0"/>
-              </a:rPr>
-              <a:t>I</a:t>
-            </a:r>
-            <a:r>
-              <a:rPr lang="en-US">
-                <a:solidFill>
-                  <a:schemeClr val="tx1"/>
-                </a:solidFill>
-                <a:latin typeface="DejaVu Sans Mono" panose="020B0609030804020204" charset="0"/>
-                <a:cs typeface="DejaVu Sans Mono" panose="020B0609030804020204" charset="0"/>
-              </a:rPr>
-              <a:t>|</a:t>
-            </a:r>
-            <a:r>
-              <a:rPr lang="en-US" b="1">
-                <a:solidFill>
-                  <a:srgbClr val="FF0000"/>
-                </a:solidFill>
-                <a:latin typeface="DejaVu Sans Mono" panose="020B0609030804020204" charset="0"/>
-                <a:cs typeface="DejaVu Sans Mono" panose="020B0609030804020204" charset="0"/>
-              </a:rPr>
-              <a:t>G</a:t>
-            </a:r>
-            <a:r>
-              <a:rPr lang="en-US">
-                <a:latin typeface="DejaVu Sans Mono" panose="020B0609030804020204" charset="0"/>
-                <a:cs typeface="DejaVu Sans Mono" panose="020B0609030804020204" charset="0"/>
-              </a:rPr>
-              <a:t>|.|.|.|.|.| CAPInfo(Opt)</a:t>
-            </a:r>
-            <a:endParaRPr lang="en-US">
-              <a:latin typeface="DejaVu Sans Mono" panose="020B0609030804020204" charset="0"/>
-              <a:cs typeface="DejaVu Sans Mono" panose="020B0609030804020204" charset="0"/>
-            </a:endParaRPr>
-          </a:p>
-          <a:p>
-            <a:r>
-              <a:rPr lang="en-US">
-                <a:latin typeface="DejaVu Sans Mono" panose="020B0609030804020204" charset="0"/>
-                <a:cs typeface="DejaVu Sans Mono" panose="020B0609030804020204" charset="0"/>
-              </a:rPr>
-              <a:t>+-+-+-+-+-+-+-+-+-+-+-+-+-+-+-+-+-+-+-+-+-+-+-+-+-+-+-+-+-+-+-+-+</a:t>
-            </a:r>
-            <a:endParaRPr lang="en-US">
-              <a:latin typeface="DejaVu Sans Mono" panose="020B0609030804020204" charset="0"/>
-              <a:cs typeface="DejaVu Sans Mono" panose="020B0609030804020204" charset="0"/>
-            </a:endParaRPr>
+            <a:endParaRPr lang="en-US" altLang="en-US" sz="2400"/>
           </a:p>
         </p:txBody>
       </p:sp>
@@ -4290,10 +4302,10 @@
           <a:bodyPr/>
           <a:p>
             <a:r>
-              <a:rPr lang="" altLang="en-US" sz="4000" b="0"/>
-              <a:t>New Capabilities</a:t>
-            </a:r>
-            <a:endParaRPr lang="" altLang="en-US" sz="4000" b="0"/>
+              <a:rPr lang="en-US" altLang="en-US" sz="4000" b="0"/>
+              <a:t>Global vs Local Capabilities</a:t>
+            </a:r>
+            <a:endParaRPr lang="en-US" altLang="en-US" sz="4000" b="0"/>
           </a:p>
         </p:txBody>
       </p:sp>
@@ -4312,98 +4324,50 @@
           <a:bodyPr/>
           <a:p>
             <a:r>
-              <a:rPr lang="" altLang="en-US"/>
-              <a:t>The capability sets intends to provide such information in generic way</a:t>
-            </a:r>
-            <a:endParaRPr lang="" altLang="en-US"/>
+              <a:rPr lang="en-US" altLang="en-US" sz="2800"/>
+              <a:t>Global capabilities</a:t>
+            </a:r>
+            <a:endParaRPr lang="en-US" altLang="en-US" sz="2800"/>
           </a:p>
           <a:p>
             <a:pPr lvl="1"/>
             <a:r>
-              <a:rPr lang="" altLang="en-US"/>
-              <a:t>Generic, coz, the same caps can be used for other purposes.</a:t>
-            </a:r>
-            <a:endParaRPr lang="" altLang="en-US"/>
-          </a:p>
-          <a:p>
-            <a:pPr lvl="0"/>
-            <a:r>
-              <a:rPr lang="" altLang="en-US"/>
-              <a:t>Capabilities useful for PDAO</a:t>
-            </a:r>
-            <a:endParaRPr lang="" altLang="en-US"/>
+              <a:rPr lang="en-US" altLang="en-US" sz="2400"/>
+              <a:t>Only root can set and applicable for the RPL Instance</a:t>
+            </a:r>
+            <a:endParaRPr lang="en-US" altLang="en-US" sz="2400"/>
           </a:p>
           <a:p>
             <a:pPr lvl="1"/>
             <a:r>
-              <a:rPr lang="en-US" altLang="en-US">
-                <a:sym typeface="+mn-ea"/>
-              </a:rPr>
-              <a:t>DAO-projection needs a set of information </a:t>
-            </a:r>
-            <a:r>
-              <a:rPr lang="" altLang="en-US">
-                <a:sym typeface="+mn-ea"/>
-              </a:rPr>
-              <a:t>for the segment </a:t>
-            </a:r>
-            <a:r>
-              <a:rPr lang="en-US" altLang="en-US">
-                <a:sym typeface="+mn-ea"/>
-              </a:rPr>
-              <a:t>to install routes</a:t>
-            </a:r>
-            <a:endParaRPr lang="" altLang="en-US"/>
+              <a:rPr lang="en-US" altLang="en-US" sz="2400"/>
+              <a:t>Intermediate 6LRs MUST copy these caps in their DIOs</a:t>
+            </a:r>
+            <a:endParaRPr lang="en-US" altLang="en-US" sz="2400"/>
           </a:p>
           <a:p>
             <a:pPr lvl="1"/>
             <a:r>
-              <a:rPr lang="" altLang="en-US"/>
-              <a:t>Routing Resource capability</a:t>
-            </a:r>
-            <a:endParaRPr lang="" altLang="en-US"/>
-          </a:p>
-          <a:p>
-            <a:pPr lvl="1"/>
-            <a:r>
-              <a:rPr lang="" altLang="en-US"/>
-              <a:t>Neighbor Cache capability</a:t>
-            </a:r>
-            <a:endParaRPr lang="" altLang="en-US"/>
-          </a:p>
-          <a:p>
-            <a:pPr lvl="0"/>
-            <a:r>
-              <a:rPr lang="" altLang="en-US" sz="2000"/>
-              <a:t>Capability for 6LoRH</a:t>
-            </a:r>
-            <a:endParaRPr lang="" altLang="en-US" sz="2000"/>
-          </a:p>
-          <a:p>
-            <a:pPr lvl="1"/>
-            <a:r>
-              <a:rPr lang="" altLang="en-US" sz="1800"/>
-              <a:t>Should aggregate multiple such flags into single cap?</a:t>
-            </a:r>
-            <a:endParaRPr lang="" altLang="en-US" sz="1800"/>
-          </a:p>
-          <a:p>
-            <a:pPr lvl="1"/>
-            <a:endParaRPr lang="" altLang="en-US" sz="1800"/>
-          </a:p>
-          <a:p>
-            <a:pPr lvl="1"/>
-            <a:endParaRPr lang="" altLang="en-US"/>
-          </a:p>
-          <a:p>
-            <a:pPr marL="457200" lvl="1" indent="0">
-              <a:buNone/>
-            </a:pPr>
-            <a:endParaRPr lang="" altLang="en-US"/>
-          </a:p>
-          <a:p>
-            <a:pPr lvl="1"/>
-            <a:endParaRPr lang="" altLang="en-US"/>
+              <a:rPr lang="en-US" altLang="en-US" sz="2400"/>
+              <a:t>A node may join as 6LR or 6LN depending on ‘J’ bit of the capability</a:t>
+            </a:r>
+            <a:endParaRPr lang="en-US" altLang="en-US" sz="2400"/>
+          </a:p>
+          <a:p>
+            <a:pPr lvl="2"/>
+            <a:r>
+              <a:rPr lang="en-US" altLang="en-US" sz="2000"/>
+              <a:t>Even if the Global capability is not understood by the node</a:t>
+            </a:r>
+            <a:endParaRPr lang="en-US" altLang="en-US" sz="2000"/>
+          </a:p>
+          <a:p>
+            <a:pPr lvl="2"/>
+            <a:r>
+              <a:rPr lang="en-US" altLang="en-US" sz="2000"/>
+              <a:t>This allows a Global cap to be optional for the node to understand</a:t>
+            </a:r>
+            <a:endParaRPr lang="en-US" altLang="en-US" sz="2000"/>
           </a:p>
         </p:txBody>
       </p:sp>
@@ -4415,8 +4379,8 @@
         </p:nvSpPr>
         <p:spPr>
           <a:xfrm>
-            <a:off x="828040" y="4652645"/>
-            <a:ext cx="10535920" cy="1938020"/>
+            <a:off x="1859915" y="4363720"/>
+            <a:ext cx="9803765" cy="1476375"/>
           </a:xfrm>
           <a:prstGeom prst="rect">
             <a:avLst/>
@@ -4433,113 +4397,602 @@
           </a:bodyPr>
           <a:p>
             <a:r>
-              <a:rPr lang="en-US" sz="2000">
+              <a:rPr lang="en-US">
+                <a:latin typeface="DejaVu Sans Mono" panose="020B0609030804020204" charset="0"/>
+                <a:cs typeface="DejaVu Sans Mono" panose="020B0609030804020204" charset="0"/>
+              </a:rPr>
+              <a:t> 0                   1                   2                   3</a:t>
+            </a:r>
+            <a:endParaRPr lang="en-US">
+              <a:latin typeface="DejaVu Sans Mono" panose="020B0609030804020204" charset="0"/>
+              <a:cs typeface="DejaVu Sans Mono" panose="020B0609030804020204" charset="0"/>
+            </a:endParaRPr>
+          </a:p>
+          <a:p>
+            <a:r>
+              <a:rPr lang="en-US">
+                <a:latin typeface="DejaVu Sans Mono" panose="020B0609030804020204" charset="0"/>
+                <a:cs typeface="DejaVu Sans Mono" panose="020B0609030804020204" charset="0"/>
+              </a:rPr>
+              <a:t> 0 1 2 3 4 5 6 7 8 9 0 1 2 3 4 5 6 7 8 9 0 1 2 3 4 5 6 7 8 9 0 1</a:t>
+            </a:r>
+            <a:endParaRPr lang="en-US">
+              <a:latin typeface="DejaVu Sans Mono" panose="020B0609030804020204" charset="0"/>
+              <a:cs typeface="DejaVu Sans Mono" panose="020B0609030804020204" charset="0"/>
+            </a:endParaRPr>
+          </a:p>
+          <a:p>
+            <a:r>
+              <a:rPr lang="en-US">
+                <a:latin typeface="DejaVu Sans Mono" panose="020B0609030804020204" charset="0"/>
+                <a:cs typeface="DejaVu Sans Mono" panose="020B0609030804020204" charset="0"/>
+              </a:rPr>
+              <a:t>+-+-+-+-+-+-+-+-+-+-+-+-+-+-+-+-+-+-+-+-+-+-+-+-+-+-+-+-+-+-+-+-+</a:t>
+            </a:r>
+            <a:endParaRPr lang="en-US">
+              <a:latin typeface="DejaVu Sans Mono" panose="020B0609030804020204" charset="0"/>
+              <a:cs typeface="DejaVu Sans Mono" panose="020B0609030804020204" charset="0"/>
+            </a:endParaRPr>
+          </a:p>
+          <a:p>
+            <a:r>
+              <a:rPr lang="en-US">
+                <a:latin typeface="DejaVu Sans Mono" panose="020B0609030804020204" charset="0"/>
+                <a:cs typeface="DejaVu Sans Mono" panose="020B0609030804020204" charset="0"/>
+              </a:rPr>
+              <a:t>|   CAPType     |</a:t>
+            </a:r>
+            <a:r>
+              <a:rPr lang="en-US">
+                <a:solidFill>
+                  <a:srgbClr val="FF0000"/>
+                </a:solidFill>
+                <a:latin typeface="DejaVu Sans Mono" panose="020B0609030804020204" charset="0"/>
+                <a:cs typeface="DejaVu Sans Mono" panose="020B0609030804020204" charset="0"/>
+              </a:rPr>
+              <a:t>J</a:t>
+            </a:r>
+            <a:r>
+              <a:rPr lang="en-US">
+                <a:solidFill>
+                  <a:schemeClr val="tx1"/>
+                </a:solidFill>
+                <a:latin typeface="DejaVu Sans Mono" panose="020B0609030804020204" charset="0"/>
+                <a:cs typeface="DejaVu Sans Mono" panose="020B0609030804020204" charset="0"/>
+              </a:rPr>
+              <a:t>|</a:t>
+            </a:r>
+            <a:r>
+              <a:rPr lang="en-US">
+                <a:solidFill>
+                  <a:srgbClr val="FF0000"/>
+                </a:solidFill>
+                <a:latin typeface="DejaVu Sans Mono" panose="020B0609030804020204" charset="0"/>
+                <a:cs typeface="DejaVu Sans Mono" panose="020B0609030804020204" charset="0"/>
+              </a:rPr>
+              <a:t>I</a:t>
+            </a:r>
+            <a:r>
+              <a:rPr lang="en-US">
+                <a:solidFill>
+                  <a:schemeClr val="tx1"/>
+                </a:solidFill>
+                <a:latin typeface="DejaVu Sans Mono" panose="020B0609030804020204" charset="0"/>
+                <a:cs typeface="DejaVu Sans Mono" panose="020B0609030804020204" charset="0"/>
+              </a:rPr>
+              <a:t>|</a:t>
+            </a:r>
+            <a:r>
+              <a:rPr lang="en-US" b="1">
+                <a:solidFill>
+                  <a:srgbClr val="FF0000"/>
+                </a:solidFill>
+                <a:latin typeface="DejaVu Sans Mono" panose="020B0609030804020204" charset="0"/>
+                <a:cs typeface="DejaVu Sans Mono" panose="020B0609030804020204" charset="0"/>
+              </a:rPr>
+              <a:t>G</a:t>
+            </a:r>
+            <a:r>
+              <a:rPr lang="en-US">
+                <a:latin typeface="DejaVu Sans Mono" panose="020B0609030804020204" charset="0"/>
+                <a:cs typeface="DejaVu Sans Mono" panose="020B0609030804020204" charset="0"/>
+              </a:rPr>
+              <a:t>|</a:t>
+            </a:r>
+            <a:r>
+              <a:rPr lang="en-US" altLang="en-US">
+                <a:solidFill>
+                  <a:srgbClr val="FF0000"/>
+                </a:solidFill>
+                <a:latin typeface="DejaVu Sans Mono" panose="020B0609030804020204" charset="0"/>
+                <a:cs typeface="DejaVu Sans Mono" panose="020B0609030804020204" charset="0"/>
+              </a:rPr>
+              <a:t>C</a:t>
+            </a:r>
+            <a:r>
+              <a:rPr lang="en-US">
+                <a:latin typeface="DejaVu Sans Mono" panose="020B0609030804020204" charset="0"/>
+                <a:cs typeface="DejaVu Sans Mono" panose="020B0609030804020204" charset="0"/>
+              </a:rPr>
+              <a:t>|.|.|.|.| CAPInfo(Opt)</a:t>
+            </a:r>
+            <a:endParaRPr lang="en-US">
+              <a:latin typeface="DejaVu Sans Mono" panose="020B0609030804020204" charset="0"/>
+              <a:cs typeface="DejaVu Sans Mono" panose="020B0609030804020204" charset="0"/>
+            </a:endParaRPr>
+          </a:p>
+          <a:p>
+            <a:r>
+              <a:rPr lang="en-US">
+                <a:latin typeface="DejaVu Sans Mono" panose="020B0609030804020204" charset="0"/>
+                <a:cs typeface="DejaVu Sans Mono" panose="020B0609030804020204" charset="0"/>
+              </a:rPr>
+              <a:t>+-+-+-+-+-+-+-+-+-+-+-+-+-+-+-+-+-+-+-+-+-+-+-+-+-+-+-+-+-+-+-+-+</a:t>
+            </a:r>
+            <a:endParaRPr lang="en-US">
+              <a:latin typeface="DejaVu Sans Mono" panose="020B0609030804020204" charset="0"/>
+              <a:cs typeface="DejaVu Sans Mono" panose="020B0609030804020204" charset="0"/>
+            </a:endParaRPr>
+          </a:p>
+        </p:txBody>
+      </p:sp>
+    </p:spTree>
+  </p:cSld>
+  <p:clrMapOvr>
+    <a:masterClrMapping/>
+  </p:clrMapOvr>
+</p:sld>
+</file>
+
+<file path=ppt/slides/slide7.xml><?xml version="1.0" encoding="utf-8"?>
+<p:sld xmlns:a="http://schemas.openxmlformats.org/drawingml/2006/main" xmlns:r="http://schemas.openxmlformats.org/officeDocument/2006/relationships" xmlns:p="http://schemas.openxmlformats.org/presentationml/2006/main">
+  <p:cSld>
+    <p:spTree>
+      <p:nvGrpSpPr>
+        <p:cNvPr id="1" name=""/>
+        <p:cNvGrpSpPr/>
+        <p:nvPr/>
+      </p:nvGrpSpPr>
+      <p:grpSpPr/>
+      <p:sp>
+        <p:nvSpPr>
+          <p:cNvPr id="2" name="Title 1"/>
+          <p:cNvSpPr>
+            <a:spLocks noGrp="1"/>
+          </p:cNvSpPr>
+          <p:nvPr>
+            <p:ph type="title"/>
+          </p:nvPr>
+        </p:nvSpPr>
+        <p:spPr/>
+        <p:txBody>
+          <a:bodyPr/>
+          <a:p>
+            <a:r>
+              <a:rPr lang="en-US" altLang="en-US" sz="3600" b="0"/>
+              <a:t>New Capabilit</a:t>
+            </a:r>
+            <a:r>
+              <a:rPr lang="" altLang="en-US" sz="3600" b="0"/>
+              <a:t>y: Capability Indicators</a:t>
+            </a:r>
+            <a:endParaRPr lang="" altLang="en-US" sz="3600" b="0"/>
+          </a:p>
+        </p:txBody>
+      </p:sp>
+      <p:sp>
+        <p:nvSpPr>
+          <p:cNvPr id="3" name="Content Placeholder 2"/>
+          <p:cNvSpPr>
+            <a:spLocks noGrp="1"/>
+          </p:cNvSpPr>
+          <p:nvPr>
+            <p:ph idx="1"/>
+          </p:nvPr>
+        </p:nvSpPr>
+        <p:spPr>
+          <a:xfrm>
+            <a:off x="647700" y="1825625"/>
+            <a:ext cx="10515600" cy="2484120"/>
+          </a:xfrm>
+        </p:spPr>
+        <p:txBody>
+          <a:bodyPr>
+            <a:normAutofit lnSpcReduction="10000"/>
+          </a:bodyPr>
+          <a:p>
+            <a:pPr fontAlgn="auto">
+              <a:lnSpc>
+                <a:spcPct val="150000"/>
+              </a:lnSpc>
+              <a:spcBef>
+                <a:spcPts val="0"/>
+              </a:spcBef>
+            </a:pPr>
+            <a:r>
+              <a:rPr lang="" altLang="en-US"/>
+              <a:t>Two types of capabilities</a:t>
+            </a:r>
+            <a:endParaRPr lang="" altLang="en-US"/>
+          </a:p>
+          <a:p>
+            <a:pPr lvl="1" fontAlgn="auto">
+              <a:lnSpc>
+                <a:spcPct val="150000"/>
+              </a:lnSpc>
+              <a:spcBef>
+                <a:spcPts val="0"/>
+              </a:spcBef>
+            </a:pPr>
+            <a:r>
+              <a:rPr lang="" altLang="en-US"/>
+              <a:t>Feature, singular function either supported or not</a:t>
+            </a:r>
+            <a:endParaRPr lang="" altLang="en-US"/>
+          </a:p>
+          <a:p>
+            <a:pPr lvl="2" fontAlgn="auto">
+              <a:lnSpc>
+                <a:spcPct val="150000"/>
+              </a:lnSpc>
+              <a:spcBef>
+                <a:spcPts val="0"/>
+              </a:spcBef>
+            </a:pPr>
+            <a:r>
+              <a:rPr lang="" altLang="en-US" sz="1600"/>
+              <a:t>Aim to group all such indicators into a single option</a:t>
+            </a:r>
+            <a:endParaRPr lang="" altLang="en-US"/>
+          </a:p>
+          <a:p>
+            <a:pPr lvl="1" fontAlgn="auto">
+              <a:lnSpc>
+                <a:spcPct val="150000"/>
+              </a:lnSpc>
+              <a:spcBef>
+                <a:spcPts val="0"/>
+              </a:spcBef>
+            </a:pPr>
+            <a:r>
+              <a:rPr lang="" altLang="en-US"/>
+              <a:t>Feature with additional information</a:t>
+            </a:r>
+            <a:endParaRPr lang="" altLang="en-US"/>
+          </a:p>
+          <a:p>
+            <a:pPr lvl="0" fontAlgn="auto">
+              <a:lnSpc>
+                <a:spcPct val="150000"/>
+              </a:lnSpc>
+              <a:spcBef>
+                <a:spcPts val="0"/>
+              </a:spcBef>
+            </a:pPr>
+            <a:r>
+              <a:rPr lang="" altLang="en-US" sz="2000"/>
+              <a:t>Capability Indicators group together all singular functions</a:t>
+            </a:r>
+            <a:endParaRPr lang="" altLang="en-US" sz="2000"/>
+          </a:p>
+          <a:p>
+            <a:pPr lvl="1" fontAlgn="auto">
+              <a:lnSpc>
+                <a:spcPct val="150000"/>
+              </a:lnSpc>
+              <a:spcBef>
+                <a:spcPts val="0"/>
+              </a:spcBef>
+            </a:pPr>
+            <a:r>
+              <a:rPr lang="" altLang="en-US" sz="1800"/>
+              <a:t>For e.g., 6LoRH (Note the ‘T’ flag in the below diagram)</a:t>
+            </a:r>
+            <a:endParaRPr lang="en-US" altLang="en-US" sz="1800"/>
+          </a:p>
+          <a:p>
+            <a:pPr lvl="1" fontAlgn="auto">
+              <a:lnSpc>
+                <a:spcPct val="150000"/>
+              </a:lnSpc>
+              <a:spcBef>
+                <a:spcPts val="0"/>
+              </a:spcBef>
+            </a:pPr>
+            <a:endParaRPr lang="en-US" altLang="en-US"/>
+          </a:p>
+        </p:txBody>
+      </p:sp>
+      <p:sp>
+        <p:nvSpPr>
+          <p:cNvPr id="4" name="Text Box 3"/>
+          <p:cNvSpPr txBox="1"/>
+          <p:nvPr/>
+        </p:nvSpPr>
+        <p:spPr>
+          <a:xfrm>
+            <a:off x="828040" y="4310380"/>
+            <a:ext cx="10535920" cy="2030095"/>
+          </a:xfrm>
+          <a:prstGeom prst="rect">
+            <a:avLst/>
+          </a:prstGeom>
+          <a:solidFill>
+            <a:schemeClr val="bg1">
+              <a:lumMod val="95000"/>
+            </a:schemeClr>
+          </a:solidFill>
+        </p:spPr>
+        <p:txBody>
+          <a:bodyPr wrap="square" rtlCol="0" anchor="t">
+            <a:spAutoFit/>
+          </a:bodyPr>
+          <a:p>
+            <a:r>
+              <a:rPr lang="en-US">
                 <a:latin typeface="Bitstream Vera Sans Mono" panose="020B0609030804020204" charset="0"/>
                 <a:cs typeface="Bitstream Vera Sans Mono" panose="020B0609030804020204" charset="0"/>
               </a:rPr>
-              <a:t>Format of 6LoRH Capabilit</a:t>
-            </a:r>
-            <a:r>
-              <a:rPr lang="" altLang="en-US" sz="2000">
+              <a:t> 0                   1                   2                   3</a:t>
+            </a:r>
+            <a:endParaRPr lang="en-US">
+              <a:latin typeface="Bitstream Vera Sans Mono" panose="020B0609030804020204" charset="0"/>
+              <a:cs typeface="Bitstream Vera Sans Mono" panose="020B0609030804020204" charset="0"/>
+            </a:endParaRPr>
+          </a:p>
+          <a:p>
+            <a:r>
+              <a:rPr lang="en-US">
                 <a:latin typeface="Bitstream Vera Sans Mono" panose="020B0609030804020204" charset="0"/>
                 <a:cs typeface="Bitstream Vera Sans Mono" panose="020B0609030804020204" charset="0"/>
               </a:rPr>
-              <a:t>y</a:t>
-            </a:r>
-            <a:endParaRPr lang="en-US" sz="2000">
+              <a:t> 0 1 2 3 4 5 6 7 8 9 0 1 2 3 4 5 6 7 8 9 0 1 2 3 4 5 6 7 8 9 0 1</a:t>
+            </a:r>
+            <a:endParaRPr lang="en-US">
               <a:latin typeface="Bitstream Vera Sans Mono" panose="020B0609030804020204" charset="0"/>
               <a:cs typeface="Bitstream Vera Sans Mono" panose="020B0609030804020204" charset="0"/>
             </a:endParaRPr>
           </a:p>
           <a:p>
             <a:r>
-              <a:rPr lang="en-US" sz="2000">
-                <a:latin typeface="Bitstream Vera Sans Mono" panose="020B0609030804020204" charset="0"/>
-                <a:cs typeface="Bitstream Vera Sans Mono" panose="020B0609030804020204" charset="0"/>
-              </a:rPr>
-              <a:t>0                   1                   2                   3	</a:t>
-            </a:r>
-            <a:endParaRPr lang="en-US" sz="2000">
-              <a:latin typeface="Bitstream Vera Sans Mono" panose="020B0609030804020204" charset="0"/>
-              <a:cs typeface="Bitstream Vera Sans Mono" panose="020B0609030804020204" charset="0"/>
-            </a:endParaRPr>
-          </a:p>
-          <a:p>
-            <a:r>
-              <a:rPr lang="en-US" sz="2000">
-                <a:latin typeface="Bitstream Vera Sans Mono" panose="020B0609030804020204" charset="0"/>
-                <a:cs typeface="Bitstream Vera Sans Mono" panose="020B0609030804020204" charset="0"/>
-              </a:rPr>
-              <a:t>0 1 2 3 4 5 6 7 8 9 0 1 2 3 4 5 6 7 8 9 0 1 2 3 4 5 6 7 8 9 0 1	</a:t>
-            </a:r>
-            <a:endParaRPr lang="en-US" sz="2000">
-              <a:latin typeface="Bitstream Vera Sans Mono" panose="020B0609030804020204" charset="0"/>
-              <a:cs typeface="Bitstream Vera Sans Mono" panose="020B0609030804020204" charset="0"/>
-            </a:endParaRPr>
-          </a:p>
-          <a:p>
-            <a:r>
-              <a:rPr lang="en-US" sz="2000">
-                <a:latin typeface="Bitstream Vera Sans Mono" panose="020B0609030804020204" charset="0"/>
-                <a:cs typeface="Bitstream Vera Sans Mono" panose="020B0609030804020204" charset="0"/>
-              </a:rPr>
-              <a:t>+-+-+-+-+-+-+-+-+-+-+-+-+-+-+-+-+-+-+-+-+-+-+-+-+-+-+-+-+-+-+-+-+	</a:t>
-            </a:r>
-            <a:endParaRPr lang="en-US" sz="2000">
-              <a:latin typeface="Bitstream Vera Sans Mono" panose="020B0609030804020204" charset="0"/>
-              <a:cs typeface="Bitstream Vera Sans Mono" panose="020B0609030804020204" charset="0"/>
-            </a:endParaRPr>
-          </a:p>
-          <a:p>
-            <a:r>
-              <a:rPr lang="en-US" sz="2000">
-                <a:latin typeface="Bitstream Vera Sans Mono" panose="020B0609030804020204" charset="0"/>
-                <a:cs typeface="Bitstream Vera Sans Mono" panose="020B0609030804020204" charset="0"/>
-              </a:rPr>
-              <a:t>| Type=0x02     |</a:t>
-            </a:r>
-            <a:r>
-              <a:rPr lang="" altLang="en-US" sz="2000">
-                <a:latin typeface="Bitstream Vera Sans Mono" panose="020B0609030804020204" charset="0"/>
-                <a:cs typeface="Bitstream Vera Sans Mono" panose="020B0609030804020204" charset="0"/>
-              </a:rPr>
-              <a:t>J</a:t>
-            </a:r>
-            <a:r>
-              <a:rPr lang="en-US" sz="2000">
-                <a:latin typeface="Bitstream Vera Sans Mono" panose="020B0609030804020204" charset="0"/>
-                <a:cs typeface="Bitstream Vera Sans Mono" panose="020B0609030804020204" charset="0"/>
-              </a:rPr>
-              <a:t>|I|</a:t>
-            </a:r>
-            <a:r>
-              <a:rPr lang="" altLang="en-US" sz="2000">
-                <a:latin typeface="Bitstream Vera Sans Mono" panose="020B0609030804020204" charset="0"/>
-                <a:cs typeface="Bitstream Vera Sans Mono" panose="020B0609030804020204" charset="0"/>
-              </a:rPr>
-              <a:t>G|</a:t>
-            </a:r>
-            <a:r>
-              <a:rPr lang="en-US" sz="2000">
-                <a:latin typeface="Bitstream Vera Sans Mono" panose="020B0609030804020204" charset="0"/>
-                <a:cs typeface="Bitstream Vera Sans Mono" panose="020B0609030804020204" charset="0"/>
-              </a:rPr>
-              <a:t>. . . . .|           Reserved            |	</a:t>
-            </a:r>
-            <a:endParaRPr lang="en-US" sz="2000">
-              <a:latin typeface="Bitstream Vera Sans Mono" panose="020B0609030804020204" charset="0"/>
-              <a:cs typeface="Bitstream Vera Sans Mono" panose="020B0609030804020204" charset="0"/>
-            </a:endParaRPr>
-          </a:p>
-          <a:p>
-            <a:r>
-              <a:rPr lang="en-US" sz="2000">
+              <a:rPr lang="en-US">
                 <a:latin typeface="Bitstream Vera Sans Mono" panose="020B0609030804020204" charset="0"/>
                 <a:cs typeface="Bitstream Vera Sans Mono" panose="020B0609030804020204" charset="0"/>
               </a:rPr>
               <a:t>+-+-+-+-+-+-+-+-+-+-+-+-+-+-+-+-+-+-+-+-+-+-+-+-+-+-+-+-+-+-+-+-+</a:t>
             </a:r>
-            <a:endParaRPr lang="en-US" sz="2000">
+            <a:endParaRPr lang="en-US">
+              <a:latin typeface="Bitstream Vera Sans Mono" panose="020B0609030804020204" charset="0"/>
+              <a:cs typeface="Bitstream Vera Sans Mono" panose="020B0609030804020204" charset="0"/>
+            </a:endParaRPr>
+          </a:p>
+          <a:p>
+            <a:r>
+              <a:rPr lang="en-US">
+                <a:latin typeface="Bitstream Vera Sans Mono" panose="020B0609030804020204" charset="0"/>
+                <a:cs typeface="Bitstream Vera Sans Mono" panose="020B0609030804020204" charset="0"/>
+              </a:rPr>
+              <a:t>| Type=0x01     |J|I|G|C|. . . .|     Len=3     |. . . . . Indic|</a:t>
+            </a:r>
+            <a:endParaRPr lang="en-US">
+              <a:latin typeface="Bitstream Vera Sans Mono" panose="020B0609030804020204" charset="0"/>
+              <a:cs typeface="Bitstream Vera Sans Mono" panose="020B0609030804020204" charset="0"/>
+            </a:endParaRPr>
+          </a:p>
+          <a:p>
+            <a:r>
+              <a:rPr lang="en-US">
+                <a:latin typeface="Bitstream Vera Sans Mono" panose="020B0609030804020204" charset="0"/>
+                <a:cs typeface="Bitstream Vera Sans Mono" panose="020B0609030804020204" charset="0"/>
+              </a:rPr>
+              <a:t>+-+-+-+-+-+-+-+-+-+-+-+-+-+-+-+-+-+-+-+-+-+-+-+-+-+-+-+-+-+-+-+-+</a:t>
+            </a:r>
+            <a:endParaRPr lang="en-US">
+              <a:latin typeface="Bitstream Vera Sans Mono" panose="020B0609030804020204" charset="0"/>
+              <a:cs typeface="Bitstream Vera Sans Mono" panose="020B0609030804020204" charset="0"/>
+            </a:endParaRPr>
+          </a:p>
+          <a:p>
+            <a:r>
+              <a:rPr lang="en-US">
+                <a:latin typeface="Bitstream Vera Sans Mono" panose="020B0609030804020204" charset="0"/>
+                <a:cs typeface="Bitstream Vera Sans Mono" panose="020B0609030804020204" charset="0"/>
+              </a:rPr>
+              <a:t>|ators . . . . . . . . . . . .|T|</a:t>
+            </a:r>
+            <a:endParaRPr lang="en-US">
+              <a:latin typeface="Bitstream Vera Sans Mono" panose="020B0609030804020204" charset="0"/>
+              <a:cs typeface="Bitstream Vera Sans Mono" panose="020B0609030804020204" charset="0"/>
+            </a:endParaRPr>
+          </a:p>
+          <a:p>
+            <a:r>
+              <a:rPr lang="en-US">
+                <a:latin typeface="Bitstream Vera Sans Mono" panose="020B0609030804020204" charset="0"/>
+                <a:cs typeface="Bitstream Vera Sans Mono" panose="020B0609030804020204" charset="0"/>
+              </a:rPr>
+              <a:t>+-+-+-+-+-+-+-+-+-+-+-+-+-+-+-+-+</a:t>
+            </a:r>
+            <a:endParaRPr lang="en-US">
+              <a:latin typeface="Bitstream Vera Sans Mono" panose="020B0609030804020204" charset="0"/>
+              <a:cs typeface="Bitstream Vera Sans Mono" panose="020B0609030804020204" charset="0"/>
+            </a:endParaRPr>
+          </a:p>
+        </p:txBody>
+      </p:sp>
+    </p:spTree>
+  </p:cSld>
+  <p:clrMapOvr>
+    <a:masterClrMapping/>
+  </p:clrMapOvr>
+</p:sld>
+</file>
+
+<file path=ppt/slides/slide8.xml><?xml version="1.0" encoding="utf-8"?>
+<p:sld xmlns:a="http://schemas.openxmlformats.org/drawingml/2006/main" xmlns:r="http://schemas.openxmlformats.org/officeDocument/2006/relationships" xmlns:p="http://schemas.openxmlformats.org/presentationml/2006/main">
+  <p:cSld>
+    <p:spTree>
+      <p:nvGrpSpPr>
+        <p:cNvPr id="1" name=""/>
+        <p:cNvGrpSpPr/>
+        <p:nvPr/>
+      </p:nvGrpSpPr>
+      <p:grpSpPr/>
+      <p:sp>
+        <p:nvSpPr>
+          <p:cNvPr id="2" name="Title 1"/>
+          <p:cNvSpPr>
+            <a:spLocks noGrp="1"/>
+          </p:cNvSpPr>
+          <p:nvPr>
+            <p:ph type="title"/>
+          </p:nvPr>
+        </p:nvSpPr>
+        <p:spPr/>
+        <p:txBody>
+          <a:bodyPr/>
+          <a:p>
+            <a:r>
+              <a:rPr lang="" altLang="en-US" sz="2800" b="0"/>
+              <a:t>New capability: Routing Resource Capability</a:t>
+            </a:r>
+            <a:endParaRPr lang="" altLang="en-US" sz="2800" b="0"/>
+          </a:p>
+        </p:txBody>
+      </p:sp>
+      <p:sp>
+        <p:nvSpPr>
+          <p:cNvPr id="3" name="Content Placeholder 2"/>
+          <p:cNvSpPr>
+            <a:spLocks noGrp="1"/>
+          </p:cNvSpPr>
+          <p:nvPr>
+            <p:ph idx="1"/>
+          </p:nvPr>
+        </p:nvSpPr>
+        <p:spPr/>
+        <p:txBody>
+          <a:bodyPr/>
+          <a:p>
+            <a:r>
+              <a:rPr lang="" altLang="en-US"/>
+              <a:t>Useful for P-DAO</a:t>
+            </a:r>
+            <a:endParaRPr lang="" altLang="en-US"/>
+          </a:p>
+        </p:txBody>
+      </p:sp>
+      <p:sp>
+        <p:nvSpPr>
+          <p:cNvPr id="4" name="Text Box 3"/>
+          <p:cNvSpPr txBox="1"/>
+          <p:nvPr/>
+        </p:nvSpPr>
+        <p:spPr>
+          <a:xfrm>
+            <a:off x="786130" y="3260090"/>
+            <a:ext cx="10535920" cy="2030095"/>
+          </a:xfrm>
+          <a:prstGeom prst="rect">
+            <a:avLst/>
+          </a:prstGeom>
+          <a:solidFill>
+            <a:schemeClr val="bg1">
+              <a:lumMod val="95000"/>
+            </a:schemeClr>
+          </a:solidFill>
+        </p:spPr>
+        <p:txBody>
+          <a:bodyPr wrap="square" rtlCol="0" anchor="t">
+            <a:spAutoFit/>
+          </a:bodyPr>
+          <a:p>
+            <a:r>
+              <a:rPr lang="en-US">
+                <a:latin typeface="Bitstream Vera Sans Mono" panose="020B0609030804020204" charset="0"/>
+                <a:cs typeface="Bitstream Vera Sans Mono" panose="020B0609030804020204" charset="0"/>
+              </a:rPr>
+              <a:t>      0                   1                   2                   3</a:t>
+            </a:r>
+            <a:endParaRPr lang="en-US">
+              <a:latin typeface="Bitstream Vera Sans Mono" panose="020B0609030804020204" charset="0"/>
+              <a:cs typeface="Bitstream Vera Sans Mono" panose="020B0609030804020204" charset="0"/>
+            </a:endParaRPr>
+          </a:p>
+          <a:p>
+            <a:r>
+              <a:rPr lang="en-US">
+                <a:latin typeface="Bitstream Vera Sans Mono" panose="020B0609030804020204" charset="0"/>
+                <a:cs typeface="Bitstream Vera Sans Mono" panose="020B0609030804020204" charset="0"/>
+              </a:rPr>
+              <a:t>      0 1 2 3 4 5 6 7 8 9 0 1 2 3 4 5 6 7 8 9 0 1 2 3 4 5 6 7 8 9 0 1</a:t>
+            </a:r>
+            <a:endParaRPr lang="en-US">
+              <a:latin typeface="Bitstream Vera Sans Mono" panose="020B0609030804020204" charset="0"/>
+              <a:cs typeface="Bitstream Vera Sans Mono" panose="020B0609030804020204" charset="0"/>
+            </a:endParaRPr>
+          </a:p>
+          <a:p>
+            <a:r>
+              <a:rPr lang="en-US">
+                <a:latin typeface="Bitstream Vera Sans Mono" panose="020B0609030804020204" charset="0"/>
+                <a:cs typeface="Bitstream Vera Sans Mono" panose="020B0609030804020204" charset="0"/>
+              </a:rPr>
+              <a:t>     +-+-+-+-+-+-+-+-+-+-+-+-+-+-+-+-+-+-+-+-+-+-+-+-+-+-+-+-+-+-+-+-+</a:t>
+            </a:r>
+            <a:endParaRPr lang="en-US">
+              <a:latin typeface="Bitstream Vera Sans Mono" panose="020B0609030804020204" charset="0"/>
+              <a:cs typeface="Bitstream Vera Sans Mono" panose="020B0609030804020204" charset="0"/>
+            </a:endParaRPr>
+          </a:p>
+          <a:p>
+            <a:r>
+              <a:rPr lang="en-US">
+                <a:latin typeface="Bitstream Vera Sans Mono" panose="020B0609030804020204" charset="0"/>
+                <a:cs typeface="Bitstream Vera Sans Mono" panose="020B0609030804020204" charset="0"/>
+              </a:rPr>
+              <a:t>     | Type=0x03     |J|I|G|C|. . . .|     CAPLen    |  Reserved     |</a:t>
+            </a:r>
+            <a:endParaRPr lang="en-US">
+              <a:latin typeface="Bitstream Vera Sans Mono" panose="020B0609030804020204" charset="0"/>
+              <a:cs typeface="Bitstream Vera Sans Mono" panose="020B0609030804020204" charset="0"/>
+            </a:endParaRPr>
+          </a:p>
+          <a:p>
+            <a:r>
+              <a:rPr lang="en-US">
+                <a:latin typeface="Bitstream Vera Sans Mono" panose="020B0609030804020204" charset="0"/>
+                <a:cs typeface="Bitstream Vera Sans Mono" panose="020B0609030804020204" charset="0"/>
+              </a:rPr>
+              <a:t>     +-+-+-+-+-+-+-+-+-+-+-+-+-+-+-+-+-+-+-+-+-+-+-+-+-+-+-+-+-+-+-+-+</a:t>
+            </a:r>
+            <a:endParaRPr lang="en-US">
+              <a:latin typeface="Bitstream Vera Sans Mono" panose="020B0609030804020204" charset="0"/>
+              <a:cs typeface="Bitstream Vera Sans Mono" panose="020B0609030804020204" charset="0"/>
+            </a:endParaRPr>
+          </a:p>
+          <a:p>
+            <a:r>
+              <a:rPr lang="en-US">
+                <a:latin typeface="Bitstream Vera Sans Mono" panose="020B0609030804020204" charset="0"/>
+                <a:cs typeface="Bitstream Vera Sans Mono" panose="020B0609030804020204" charset="0"/>
+              </a:rPr>
+              <a:t>     |        Total Capacity         |</a:t>
+            </a:r>
+            <a:endParaRPr lang="en-US">
+              <a:latin typeface="Bitstream Vera Sans Mono" panose="020B0609030804020204" charset="0"/>
+              <a:cs typeface="Bitstream Vera Sans Mono" panose="020B0609030804020204" charset="0"/>
+            </a:endParaRPr>
+          </a:p>
+          <a:p>
+            <a:r>
+              <a:rPr lang="en-US">
+                <a:latin typeface="Bitstream Vera Sans Mono" panose="020B0609030804020204" charset="0"/>
+                <a:cs typeface="Bitstream Vera Sans Mono" panose="020B0609030804020204" charset="0"/>
+              </a:rPr>
+              <a:t>     +-+-+-+-+-+-+-+-+-+-+-+-+-+-+-+-+</a:t>
+            </a:r>
+            <a:endParaRPr lang="en-US">
               <a:latin typeface="Bitstream Vera Sans Mono" panose="020B0609030804020204" charset="0"/>
               <a:cs typeface="Bitstream Vera Sans Mono" panose="020B0609030804020204" charset="0"/>
             </a:endParaRPr>
